--- a/doc/210329 Laravel 모듈 개발 - 게시판 모듈.pptx
+++ b/doc/210329 Laravel 모듈 개발 - 게시판 모듈.pptx
@@ -261,7 +261,7 @@
           <a:p>
             <a:fld id="{2AE83F40-30CF-4985-BD4F-EDD8204F892D}" type="datetimeFigureOut">
               <a:rPr lang="ko-KR" altLang="en-US" smtClean="0"/>
-              <a:t>2021-03-29</a:t>
+              <a:t>2021-03-31</a:t>
             </a:fld>
             <a:endParaRPr lang="ko-KR" altLang="en-US"/>
           </a:p>
@@ -459,7 +459,7 @@
           <a:p>
             <a:fld id="{2AE83F40-30CF-4985-BD4F-EDD8204F892D}" type="datetimeFigureOut">
               <a:rPr lang="ko-KR" altLang="en-US" smtClean="0"/>
-              <a:t>2021-03-29</a:t>
+              <a:t>2021-03-31</a:t>
             </a:fld>
             <a:endParaRPr lang="ko-KR" altLang="en-US"/>
           </a:p>
@@ -667,7 +667,7 @@
           <a:p>
             <a:fld id="{2AE83F40-30CF-4985-BD4F-EDD8204F892D}" type="datetimeFigureOut">
               <a:rPr lang="ko-KR" altLang="en-US" smtClean="0"/>
-              <a:t>2021-03-29</a:t>
+              <a:t>2021-03-31</a:t>
             </a:fld>
             <a:endParaRPr lang="ko-KR" altLang="en-US"/>
           </a:p>
@@ -865,7 +865,7 @@
           <a:p>
             <a:fld id="{2AE83F40-30CF-4985-BD4F-EDD8204F892D}" type="datetimeFigureOut">
               <a:rPr lang="ko-KR" altLang="en-US" smtClean="0"/>
-              <a:t>2021-03-29</a:t>
+              <a:t>2021-03-31</a:t>
             </a:fld>
             <a:endParaRPr lang="ko-KR" altLang="en-US"/>
           </a:p>
@@ -1140,7 +1140,7 @@
           <a:p>
             <a:fld id="{2AE83F40-30CF-4985-BD4F-EDD8204F892D}" type="datetimeFigureOut">
               <a:rPr lang="ko-KR" altLang="en-US" smtClean="0"/>
-              <a:t>2021-03-29</a:t>
+              <a:t>2021-03-31</a:t>
             </a:fld>
             <a:endParaRPr lang="ko-KR" altLang="en-US"/>
           </a:p>
@@ -1405,7 +1405,7 @@
           <a:p>
             <a:fld id="{2AE83F40-30CF-4985-BD4F-EDD8204F892D}" type="datetimeFigureOut">
               <a:rPr lang="ko-KR" altLang="en-US" smtClean="0"/>
-              <a:t>2021-03-29</a:t>
+              <a:t>2021-03-31</a:t>
             </a:fld>
             <a:endParaRPr lang="ko-KR" altLang="en-US"/>
           </a:p>
@@ -1817,7 +1817,7 @@
           <a:p>
             <a:fld id="{2AE83F40-30CF-4985-BD4F-EDD8204F892D}" type="datetimeFigureOut">
               <a:rPr lang="ko-KR" altLang="en-US" smtClean="0"/>
-              <a:t>2021-03-29</a:t>
+              <a:t>2021-03-31</a:t>
             </a:fld>
             <a:endParaRPr lang="ko-KR" altLang="en-US"/>
           </a:p>
@@ -1958,7 +1958,7 @@
           <a:p>
             <a:fld id="{2AE83F40-30CF-4985-BD4F-EDD8204F892D}" type="datetimeFigureOut">
               <a:rPr lang="ko-KR" altLang="en-US" smtClean="0"/>
-              <a:t>2021-03-29</a:t>
+              <a:t>2021-03-31</a:t>
             </a:fld>
             <a:endParaRPr lang="ko-KR" altLang="en-US"/>
           </a:p>
@@ -2071,7 +2071,7 @@
           <a:p>
             <a:fld id="{2AE83F40-30CF-4985-BD4F-EDD8204F892D}" type="datetimeFigureOut">
               <a:rPr lang="ko-KR" altLang="en-US" smtClean="0"/>
-              <a:t>2021-03-29</a:t>
+              <a:t>2021-03-31</a:t>
             </a:fld>
             <a:endParaRPr lang="ko-KR" altLang="en-US"/>
           </a:p>
@@ -2382,7 +2382,7 @@
           <a:p>
             <a:fld id="{2AE83F40-30CF-4985-BD4F-EDD8204F892D}" type="datetimeFigureOut">
               <a:rPr lang="ko-KR" altLang="en-US" smtClean="0"/>
-              <a:t>2021-03-29</a:t>
+              <a:t>2021-03-31</a:t>
             </a:fld>
             <a:endParaRPr lang="ko-KR" altLang="en-US"/>
           </a:p>
@@ -2670,7 +2670,7 @@
           <a:p>
             <a:fld id="{2AE83F40-30CF-4985-BD4F-EDD8204F892D}" type="datetimeFigureOut">
               <a:rPr lang="ko-KR" altLang="en-US" smtClean="0"/>
-              <a:t>2021-03-29</a:t>
+              <a:t>2021-03-31</a:t>
             </a:fld>
             <a:endParaRPr lang="ko-KR" altLang="en-US"/>
           </a:p>
@@ -2911,7 +2911,7 @@
           <a:p>
             <a:fld id="{2AE83F40-30CF-4985-BD4F-EDD8204F892D}" type="datetimeFigureOut">
               <a:rPr lang="ko-KR" altLang="en-US" smtClean="0"/>
-              <a:t>2021-03-29</a:t>
+              <a:t>2021-03-31</a:t>
             </a:fld>
             <a:endParaRPr lang="ko-KR" altLang="en-US"/>
           </a:p>
@@ -3587,42 +3587,6 @@
       </p:sp>
       <p:sp>
         <p:nvSpPr>
-          <p:cNvPr id="20" name="TextBox 19">
-            <a:extLst>
-              <a:ext uri="{FF2B5EF4-FFF2-40B4-BE49-F238E27FC236}">
-                <a16:creationId xmlns:a16="http://schemas.microsoft.com/office/drawing/2014/main" id="{0232F5BB-F960-4176-BB25-C9764959A8BA}"/>
-              </a:ext>
-            </a:extLst>
-          </p:cNvPr>
-          <p:cNvSpPr txBox="1"/>
-          <p:nvPr/>
-        </p:nvSpPr>
-        <p:spPr>
-          <a:xfrm>
-            <a:off x="189988" y="6507064"/>
-            <a:ext cx="6984541" cy="276999"/>
-          </a:xfrm>
-          <a:prstGeom prst="rect">
-            <a:avLst/>
-          </a:prstGeom>
-          <a:noFill/>
-        </p:spPr>
-        <p:txBody>
-          <a:bodyPr wrap="none" rtlCol="0">
-            <a:spAutoFit/>
-          </a:bodyPr>
-          <a:lstStyle/>
-          <a:p>
-            <a:r>
-              <a:rPr lang="en-US" altLang="ko-KR" sz="1200" dirty="0"/>
-              <a:t>https://www.egovframe.go.kr/wiki/doku.php?id=egovframework:rte:fdl:server_security:architecture</a:t>
-            </a:r>
-            <a:endParaRPr lang="ko-KR" altLang="en-US" sz="1200" dirty="0"/>
-          </a:p>
-        </p:txBody>
-      </p:sp>
-      <p:sp>
-        <p:nvSpPr>
           <p:cNvPr id="2" name="직사각형 1">
             <a:extLst>
               <a:ext uri="{FF2B5EF4-FFF2-40B4-BE49-F238E27FC236}">
